--- a/SWE4739-Embedded_Software/5-ESD-optimizations.pptx
+++ b/SWE4739-Embedded_Software/5-ESD-optimizations.pptx
@@ -299,7 +299,7 @@
       </p15:sldGuideLst>
     </p:ext>
     <p:ext uri="http://customooxmlschemas.google.com/">
-      <go:slidesCustomData xmlns:go="http://customooxmlschemas.google.com/" xmlns:ahyp="http://schemas.microsoft.com/office/drawing/2018/hyperlinkcolor" xmlns:p15="http://schemas.microsoft.com/office/powerpoint/2012/main" xmlns:p14="http://schemas.microsoft.com/office/powerpoint/2010/main" xmlns:com="http://schemas.openxmlformats.org/drawingml/2006/compatibility" xmlns:pvml="urn:schemas-microsoft-com:office:powerpoint" xmlns:v="urn:schemas-microsoft-com:vml" xmlns:o="urn:schemas-microsoft-com:office:office" xmlns:dgm="http://schemas.openxmlformats.org/drawingml/2006/diagram" xmlns:c="http://schemas.openxmlformats.org/drawingml/2006/chart" xmlns:mv="urn:schemas-microsoft-com:mac:vml" xmlns:mc="http://schemas.openxmlformats.org/markup-compatibility/2006" xmlns="" r:id="rId52" roundtripDataSignature="AMtx7mgVnywlRD6+h0e1fjbiyj1v+Z7v0A=="/>
+      <go:slidesCustomData xmlns="" xmlns:mc="http://schemas.openxmlformats.org/markup-compatibility/2006" xmlns:mv="urn:schemas-microsoft-com:mac:vml" xmlns:c="http://schemas.openxmlformats.org/drawingml/2006/chart" xmlns:dgm="http://schemas.openxmlformats.org/drawingml/2006/diagram" xmlns:o="urn:schemas-microsoft-com:office:office" xmlns:v="urn:schemas-microsoft-com:vml" xmlns:pvml="urn:schemas-microsoft-com:office:powerpoint" xmlns:com="http://schemas.openxmlformats.org/drawingml/2006/compatibility" xmlns:p14="http://schemas.microsoft.com/office/powerpoint/2010/main" xmlns:p15="http://schemas.microsoft.com/office/powerpoint/2012/main" xmlns:ahyp="http://schemas.microsoft.com/office/drawing/2018/hyperlinkcolor" xmlns:go="http://customooxmlschemas.google.com/" r:id="rId52" roundtripDataSignature="AMtx7mgVnywlRD6+h0e1fjbiyj1v+Z7v0A=="/>
     </p:ext>
   </p:extLst>
 </p:presentation>
@@ -3284,8 +3284,8 @@
         </p:nvSpPr>
         <p:spPr>
           <a:xfrm>
-            <a:off x="928687" y="739775"/>
-            <a:ext cx="4940300" cy="3703637"/>
+            <a:off x="930275" y="739775"/>
+            <a:ext cx="4937125" cy="3703638"/>
           </a:xfrm>
           <a:custGeom>
             <a:avLst/>
@@ -4654,8 +4654,8 @@
         </p:nvSpPr>
         <p:spPr>
           <a:xfrm>
-            <a:off x="915987" y="738910"/>
-            <a:ext cx="4967400" cy="3705600"/>
+            <a:off x="928688" y="738188"/>
+            <a:ext cx="4941887" cy="3706812"/>
           </a:xfrm>
           <a:custGeom>
             <a:avLst/>
@@ -4994,8 +4994,8 @@
         </p:nvSpPr>
         <p:spPr>
           <a:xfrm>
-            <a:off x="915987" y="738910"/>
-            <a:ext cx="4967400" cy="3705600"/>
+            <a:off x="928688" y="738188"/>
+            <a:ext cx="4941887" cy="3706812"/>
           </a:xfrm>
           <a:custGeom>
             <a:avLst/>
@@ -24871,12 +24871,12 @@
           <a:graphicData uri="http://schemas.openxmlformats.org/presentationml/2006/ole">
             <mc:AlternateContent xmlns:mc="http://schemas.openxmlformats.org/markup-compatibility/2006">
               <mc:Choice xmlns:v="urn:schemas-microsoft-com:vml" Requires="v">
-                <p:oleObj spid="_x0000_s5130" r:id="rId4" imgW="7096125" imgH="4635500" progId="Excel.Chart.8">
+                <p:oleObj r:id="rId3" imgW="7096125" imgH="4635500" progId="Excel.Chart.8">
                   <p:embed/>
                 </p:oleObj>
               </mc:Choice>
               <mc:Fallback>
-                <p:oleObj r:id="rId4" imgW="7096125" imgH="4635500" progId="Excel.Chart.8">
+                <p:oleObj r:id="rId3" imgW="7096125" imgH="4635500" progId="Excel.Chart.8">
                   <p:embed/>
                   <p:pic>
                     <p:nvPicPr>
@@ -24885,7 +24885,7 @@
                       <p:nvPr/>
                     </p:nvPicPr>
                     <p:blipFill rotWithShape="1">
-                      <a:blip r:embed="rId5">
+                      <a:blip r:embed="rId4">
                         <a:alphaModFix/>
                       </a:blip>
                       <a:srcRect/>
@@ -37599,7 +37599,7 @@
               <a:buNone/>
             </a:pPr>
             <a:r>
-              <a:rPr lang="en-US" sz="2000" b="0" i="0" u="none">
+              <a:rPr lang="en-US" sz="2000" b="0" i="0" u="none" dirty="0">
                 <a:solidFill>
                   <a:schemeClr val="dk1"/>
                 </a:solidFill>
@@ -37611,7 +37611,7 @@
               <a:t>Similar to Kruskal’s spanning tree algorithms:</a:t>
             </a:r>
             <a:br>
-              <a:rPr lang="en-US" sz="2000" b="0" i="0" u="none">
+              <a:rPr lang="en-US" sz="2000" b="0" i="0" u="none" dirty="0">
                 <a:solidFill>
                   <a:schemeClr val="dk1"/>
                 </a:solidFill>
@@ -37622,7 +37622,7 @@
               </a:rPr>
             </a:br>
             <a:r>
-              <a:rPr lang="en-US" sz="2000" b="0" i="0" u="none">
+              <a:rPr lang="en-US" sz="2000" b="0" i="0" u="none" dirty="0">
                 <a:solidFill>
                   <a:schemeClr val="dk1"/>
                 </a:solidFill>
@@ -37634,7 +37634,7 @@
               <a:t>1. Sort edges of access graph </a:t>
             </a:r>
             <a:r>
-              <a:rPr lang="en-US" sz="2000" b="0" i="1" u="none">
+              <a:rPr lang="en-US" sz="2000" b="0" i="1" u="none" dirty="0">
                 <a:solidFill>
                   <a:schemeClr val="dk1"/>
                 </a:solidFill>
@@ -37646,7 +37646,7 @@
               <a:t>G</a:t>
             </a:r>
             <a:r>
-              <a:rPr lang="en-US" sz="2000" b="0" i="0" u="none">
+              <a:rPr lang="en-US" sz="2000" b="0" i="0" u="none" dirty="0">
                 <a:solidFill>
                   <a:schemeClr val="dk1"/>
                 </a:solidFill>
@@ -37658,7 +37658,7 @@
               <a:t>=(</a:t>
             </a:r>
             <a:r>
-              <a:rPr lang="en-US" sz="2000" b="0" i="1" u="none">
+              <a:rPr lang="en-US" sz="2000" b="0" i="1" u="none" dirty="0">
                 <a:solidFill>
                   <a:schemeClr val="dk1"/>
                 </a:solidFill>
@@ -37670,7 +37670,7 @@
               <a:t>V,E</a:t>
             </a:r>
             <a:r>
-              <a:rPr lang="en-US" sz="2000" b="0" i="0" u="none">
+              <a:rPr lang="en-US" sz="2000" b="0" i="0" u="none" dirty="0">
                 <a:solidFill>
                   <a:schemeClr val="dk1"/>
                 </a:solidFill>
@@ -37682,7 +37682,7 @@
               <a:t>) according to their weight</a:t>
             </a:r>
             <a:br>
-              <a:rPr lang="en-US" sz="2000" b="0" i="0" u="none">
+              <a:rPr lang="en-US" sz="2000" b="0" i="0" u="none" dirty="0">
                 <a:solidFill>
                   <a:schemeClr val="dk1"/>
                 </a:solidFill>
@@ -37693,7 +37693,7 @@
               </a:rPr>
             </a:br>
             <a:r>
-              <a:rPr lang="en-US" sz="2000" b="0" i="0" u="none">
+              <a:rPr lang="en-US" sz="2000" b="0" i="0" u="none" dirty="0">
                 <a:solidFill>
                   <a:schemeClr val="dk1"/>
                 </a:solidFill>
@@ -37705,7 +37705,7 @@
               <a:t>2. Construct a new graph </a:t>
             </a:r>
             <a:r>
-              <a:rPr lang="en-US" sz="2000" b="0" i="1" u="none">
+              <a:rPr lang="en-US" sz="2000" b="0" i="1" u="none" dirty="0">
                 <a:solidFill>
                   <a:schemeClr val="dk1"/>
                 </a:solidFill>
@@ -37717,7 +37717,7 @@
               <a:t>G</a:t>
             </a:r>
             <a:r>
-              <a:rPr lang="en-US" sz="2000" b="0" i="0" u="none">
+              <a:rPr lang="en-US" sz="2000" b="0" i="0" u="none" dirty="0">
                 <a:solidFill>
                   <a:schemeClr val="dk1"/>
                 </a:solidFill>
@@ -37729,7 +37729,7 @@
               <a:t>’=(</a:t>
             </a:r>
             <a:r>
-              <a:rPr lang="en-US" sz="2000" b="0" i="1" u="none">
+              <a:rPr lang="en-US" sz="2000" b="0" i="1" u="none" dirty="0">
                 <a:solidFill>
                   <a:schemeClr val="dk1"/>
                 </a:solidFill>
@@ -37741,7 +37741,7 @@
               <a:t>V’,E’</a:t>
             </a:r>
             <a:r>
-              <a:rPr lang="en-US" sz="2000" b="0" i="0" u="none">
+              <a:rPr lang="en-US" sz="2000" b="0" i="0" u="none" dirty="0">
                 <a:solidFill>
                   <a:schemeClr val="dk1"/>
                 </a:solidFill>
@@ -37753,7 +37753,7 @@
               <a:t>), starting with </a:t>
             </a:r>
             <a:r>
-              <a:rPr lang="en-US" sz="2000" b="0" i="1" u="none">
+              <a:rPr lang="en-US" sz="2000" b="0" i="1" u="none" dirty="0">
                 <a:solidFill>
                   <a:schemeClr val="dk1"/>
                 </a:solidFill>
@@ -37765,7 +37765,7 @@
               <a:t>E’</a:t>
             </a:r>
             <a:r>
-              <a:rPr lang="en-US" sz="2000" b="0" i="0" u="none">
+              <a:rPr lang="en-US" sz="2000" b="0" i="0" u="none" dirty="0">
                 <a:solidFill>
                   <a:schemeClr val="dk1"/>
                 </a:solidFill>
@@ -37777,7 +37777,7 @@
               <a:t>=0</a:t>
             </a:r>
             <a:br>
-              <a:rPr lang="en-US" sz="2000" b="0" i="0" u="none">
+              <a:rPr lang="en-US" sz="2000" b="0" i="0" u="none" dirty="0">
                 <a:solidFill>
                   <a:schemeClr val="dk1"/>
                 </a:solidFill>
@@ -37788,7 +37788,7 @@
               </a:rPr>
             </a:br>
             <a:r>
-              <a:rPr lang="en-US" sz="2000" b="0" i="0" u="none">
+              <a:rPr lang="en-US" sz="2000" b="0" i="0" u="none" dirty="0">
                 <a:solidFill>
                   <a:schemeClr val="dk1"/>
                 </a:solidFill>
@@ -37800,7 +37800,7 @@
               <a:t>3. Select an edge </a:t>
             </a:r>
             <a:r>
-              <a:rPr lang="en-US" sz="2000" b="0" i="1" u="none">
+              <a:rPr lang="en-US" sz="2000" b="0" i="1" u="none" dirty="0">
                 <a:solidFill>
                   <a:schemeClr val="dk1"/>
                 </a:solidFill>
@@ -37812,7 +37812,7 @@
               <a:t>e</a:t>
             </a:r>
             <a:r>
-              <a:rPr lang="en-US" sz="2000" b="0" i="0" u="none">
+              <a:rPr lang="en-US" sz="2000" b="0" i="0" u="none" dirty="0">
                 <a:solidFill>
                   <a:schemeClr val="dk1"/>
                 </a:solidFill>
@@ -37824,7 +37824,7 @@
               <a:t> of </a:t>
             </a:r>
             <a:r>
-              <a:rPr lang="en-US" sz="2000" b="0" i="0" u="none">
+              <a:rPr lang="en-US" sz="2000" b="0" i="0" u="none" dirty="0">
                 <a:solidFill>
                   <a:schemeClr val="dk1"/>
                 </a:solidFill>
@@ -37836,7 +37836,7 @@
               <a:t>G</a:t>
             </a:r>
             <a:r>
-              <a:rPr lang="en-US" sz="2000" b="0" i="0" u="none">
+              <a:rPr lang="en-US" sz="2000" b="0" i="0" u="none" dirty="0">
                 <a:solidFill>
                   <a:schemeClr val="dk1"/>
                 </a:solidFill>
@@ -37848,7 +37848,7 @@
               <a:t> of highest weight; If this edge does not cause a cycle in </a:t>
             </a:r>
             <a:r>
-              <a:rPr lang="en-US" sz="2000" b="0" i="1" u="none">
+              <a:rPr lang="en-US" sz="2000" b="0" i="1" u="none" dirty="0">
                 <a:solidFill>
                   <a:schemeClr val="dk1"/>
                 </a:solidFill>
@@ -37860,7 +37860,7 @@
               <a:t>G</a:t>
             </a:r>
             <a:r>
-              <a:rPr lang="en-US" sz="2000" b="0" i="0" u="none">
+              <a:rPr lang="en-US" sz="2000" b="0" i="0" u="none" dirty="0">
                 <a:solidFill>
                   <a:schemeClr val="dk1"/>
                 </a:solidFill>
@@ -37872,7 +37872,7 @@
               <a:t>’ and does not cause any node in </a:t>
             </a:r>
             <a:r>
-              <a:rPr lang="en-US" sz="2000" b="0" i="1" u="none">
+              <a:rPr lang="en-US" sz="2000" b="0" i="1" u="none" dirty="0">
                 <a:solidFill>
                   <a:schemeClr val="dk1"/>
                 </a:solidFill>
@@ -37884,7 +37884,7 @@
               <a:t>G’</a:t>
             </a:r>
             <a:r>
-              <a:rPr lang="en-US" sz="2000" b="0" i="0" u="none">
+              <a:rPr lang="en-US" sz="2000" b="0" i="0" u="none" dirty="0">
                 <a:solidFill>
                   <a:schemeClr val="dk1"/>
                 </a:solidFill>
@@ -37896,7 +37896,7 @@
               <a:t> to have a degree &gt; 2 then add this node to </a:t>
             </a:r>
             <a:r>
-              <a:rPr lang="en-US" sz="2000" b="0" i="1" u="none">
+              <a:rPr lang="en-US" sz="2000" b="0" i="1" u="none" dirty="0">
                 <a:solidFill>
                   <a:schemeClr val="dk1"/>
                 </a:solidFill>
@@ -37908,7 +37908,7 @@
               <a:t>E’</a:t>
             </a:r>
             <a:r>
-              <a:rPr lang="en-US" sz="2000" b="0" i="0" u="none">
+              <a:rPr lang="en-US" sz="2000" b="0" i="0" u="none" dirty="0">
                 <a:solidFill>
                   <a:schemeClr val="dk1"/>
                 </a:solidFill>
@@ -37920,7 +37920,7 @@
               <a:t> otherwise discard </a:t>
             </a:r>
             <a:r>
-              <a:rPr lang="en-US" sz="2000" b="0" i="1" u="none">
+              <a:rPr lang="en-US" sz="2000" b="0" i="1" u="none" dirty="0">
                 <a:solidFill>
                   <a:schemeClr val="dk1"/>
                 </a:solidFill>
@@ -37932,7 +37932,7 @@
               <a:t>e</a:t>
             </a:r>
             <a:r>
-              <a:rPr lang="en-US" sz="2000" b="0" i="0" u="none">
+              <a:rPr lang="en-US" sz="2000" b="0" i="0" u="none" dirty="0">
                 <a:solidFill>
                   <a:schemeClr val="dk1"/>
                 </a:solidFill>
@@ -37944,7 +37944,7 @@
               <a:t>. </a:t>
             </a:r>
             <a:br>
-              <a:rPr lang="en-US" sz="2000" b="0" i="0" u="none">
+              <a:rPr lang="en-US" sz="2000" b="0" i="0" u="none" dirty="0">
                 <a:solidFill>
                   <a:schemeClr val="dk1"/>
                 </a:solidFill>
@@ -37955,7 +37955,7 @@
               </a:rPr>
             </a:br>
             <a:r>
-              <a:rPr lang="en-US" sz="2000" b="0" i="0" u="none">
+              <a:rPr lang="en-US" sz="2000" b="0" i="0" u="none" dirty="0">
                 <a:solidFill>
                   <a:schemeClr val="dk1"/>
                 </a:solidFill>
@@ -37967,7 +37967,7 @@
               <a:t>4. Goto 3 as long as not all edges from </a:t>
             </a:r>
             <a:r>
-              <a:rPr lang="en-US" sz="2000" b="0" i="1" u="none">
+              <a:rPr lang="en-US" sz="2000" b="0" i="1" u="none" dirty="0">
                 <a:solidFill>
                   <a:schemeClr val="dk1"/>
                 </a:solidFill>
@@ -37979,7 +37979,7 @@
               <a:t>G</a:t>
             </a:r>
             <a:r>
-              <a:rPr lang="en-US" sz="2000" b="0" i="0" u="none">
+              <a:rPr lang="en-US" sz="2000" b="0" i="0" u="none" dirty="0">
                 <a:solidFill>
                   <a:schemeClr val="dk1"/>
                 </a:solidFill>
@@ -37991,7 +37991,7 @@
               <a:t> have been selected</a:t>
             </a:r>
             <a:br>
-              <a:rPr lang="en-US" sz="2000" b="0" i="0" u="none">
+              <a:rPr lang="en-US" sz="2000" b="0" i="0" u="none" dirty="0">
                 <a:solidFill>
                   <a:schemeClr val="dk1"/>
                 </a:solidFill>
@@ -38002,7 +38002,7 @@
               </a:rPr>
             </a:br>
             <a:r>
-              <a:rPr lang="en-US" sz="2000" b="0" i="0" u="none">
+              <a:rPr lang="en-US" sz="2000" b="0" i="0" u="none" dirty="0">
                 <a:solidFill>
                   <a:schemeClr val="dk1"/>
                 </a:solidFill>
@@ -38014,7 +38014,7 @@
               <a:t>   and as long as </a:t>
             </a:r>
             <a:r>
-              <a:rPr lang="en-US" sz="2000" b="0" i="1" u="none">
+              <a:rPr lang="en-US" sz="2000" b="0" i="1" u="none" dirty="0">
                 <a:solidFill>
                   <a:schemeClr val="dk1"/>
                 </a:solidFill>
@@ -38026,7 +38026,7 @@
               <a:t>G’</a:t>
             </a:r>
             <a:r>
-              <a:rPr lang="en-US" sz="2000" b="0" i="0" u="none">
+              <a:rPr lang="en-US" sz="2000" b="0" i="0" u="none" dirty="0">
                 <a:solidFill>
                   <a:schemeClr val="dk1"/>
                 </a:solidFill>
@@ -38038,7 +38038,7 @@
               <a:t>  has less than the maximum number of edges (|</a:t>
             </a:r>
             <a:r>
-              <a:rPr lang="en-US" sz="2000" b="0" i="1" u="none">
+              <a:rPr lang="en-US" sz="2000" b="0" i="1" u="none" dirty="0">
                 <a:solidFill>
                   <a:schemeClr val="dk1"/>
                 </a:solidFill>
@@ -38050,7 +38050,7 @@
               <a:t>V</a:t>
             </a:r>
             <a:r>
-              <a:rPr lang="en-US" sz="2000" b="0" i="0" u="none">
+              <a:rPr lang="en-US" sz="2000" b="0" i="0" u="none" dirty="0">
                 <a:solidFill>
                   <a:schemeClr val="dk1"/>
                 </a:solidFill>
@@ -38062,7 +38062,7 @@
               <a:t>|-1).</a:t>
             </a:r>
             <a:br>
-              <a:rPr lang="en-US" sz="2000" b="0" i="0" u="none">
+              <a:rPr lang="en-US" sz="2000" b="0" i="0" u="none" dirty="0">
                 <a:solidFill>
                   <a:schemeClr val="dk1"/>
                 </a:solidFill>
@@ -38073,7 +38073,7 @@
               </a:rPr>
             </a:br>
             <a:r>
-              <a:rPr lang="en-US" sz="2000" b="0" i="0" u="none">
+              <a:rPr lang="en-US" sz="2000" b="0" i="0" u="none" dirty="0">
                 <a:solidFill>
                   <a:schemeClr val="dk1"/>
                 </a:solidFill>
@@ -38085,7 +38085,7 @@
               <a:t>   Example: Access sequence: </a:t>
             </a:r>
             <a:r>
-              <a:rPr lang="en-US" sz="2000" b="0" i="1" u="none">
+              <a:rPr lang="en-US" sz="2000" b="0" i="1" u="none" dirty="0">
                 <a:solidFill>
                   <a:schemeClr val="dk1"/>
                 </a:solidFill>
@@ -38097,7 +38097,7 @@
               <a:t>S=(b, d, a, c, d, c)</a:t>
             </a:r>
             <a:r>
-              <a:rPr lang="en-US" sz="2000" b="0" i="0" u="none">
+              <a:rPr lang="en-US" sz="2000" b="0" i="0" u="none" dirty="0">
                 <a:solidFill>
                   <a:schemeClr val="dk1"/>
                 </a:solidFill>
@@ -38108,7 +38108,7 @@
               </a:rPr>
               <a:t> </a:t>
             </a:r>
-            <a:endParaRPr/>
+            <a:endParaRPr dirty="0"/>
           </a:p>
         </p:txBody>
       </p:sp>
@@ -40622,7 +40622,7 @@
               <a:buNone/>
             </a:pPr>
             <a:r>
-              <a:rPr lang="en-US" sz="2800" b="1" i="0" u="none">
+              <a:rPr lang="en-US" sz="2800" b="1" i="0" u="none" dirty="0">
                 <a:solidFill>
                   <a:schemeClr val="dk1"/>
                 </a:solidFill>
@@ -40634,7 +40634,7 @@
               <a:t>Liao’s algorithm</a:t>
             </a:r>
             <a:br>
-              <a:rPr lang="en-US" sz="2800" b="1" i="0" u="none">
+              <a:rPr lang="en-US" sz="2800" b="1" i="0" u="none" dirty="0">
                 <a:solidFill>
                   <a:schemeClr val="dk1"/>
                 </a:solidFill>
@@ -40645,7 +40645,7 @@
               </a:rPr>
             </a:br>
             <a:r>
-              <a:rPr lang="en-US" sz="2800" b="1" i="0" u="none">
+              <a:rPr lang="en-US" sz="2800" b="1" i="0" u="none" dirty="0">
                 <a:solidFill>
                   <a:schemeClr val="dk1"/>
                 </a:solidFill>
@@ -40656,7 +40656,7 @@
               </a:rPr>
               <a:t>on a more complex graph</a:t>
             </a:r>
-            <a:endParaRPr/>
+            <a:endParaRPr dirty="0"/>
           </a:p>
         </p:txBody>
       </p:sp>
@@ -40703,7 +40703,7 @@
               <a:buNone/>
             </a:pPr>
             <a:r>
-              <a:rPr lang="en-US" sz="2400" b="0" i="0" u="none">
+              <a:rPr lang="en-US" sz="2400" b="0" i="0" u="none" dirty="0">
                 <a:solidFill>
                   <a:schemeClr val="dk1"/>
                 </a:solidFill>
@@ -40714,7 +40714,7 @@
               </a:rPr>
               <a:t>a b c d e f a d a d a c d f a d</a:t>
             </a:r>
-            <a:endParaRPr/>
+            <a:endParaRPr dirty="0"/>
           </a:p>
         </p:txBody>
       </p:sp>
@@ -42974,6 +42974,76 @@
               <a:t>G’</a:t>
             </a:r>
             <a:endParaRPr/>
+          </a:p>
+        </p:txBody>
+      </p:sp>
+      <p:sp>
+        <p:nvSpPr>
+          <p:cNvPr id="2" name="TextBox 1">
+            <a:extLst>
+              <a:ext uri="{FF2B5EF4-FFF2-40B4-BE49-F238E27FC236}">
+                <a16:creationId xmlns:a16="http://schemas.microsoft.com/office/drawing/2014/main" id="{1CD0A777-815F-F640-3C90-DD7F87B80E70}"/>
+              </a:ext>
+            </a:extLst>
+          </p:cNvPr>
+          <p:cNvSpPr txBox="1"/>
+          <p:nvPr/>
+        </p:nvSpPr>
+        <p:spPr>
+          <a:xfrm>
+            <a:off x="6172245" y="1540073"/>
+            <a:ext cx="1162498" cy="307777"/>
+          </a:xfrm>
+          <a:prstGeom prst="rect">
+            <a:avLst/>
+          </a:prstGeom>
+          <a:noFill/>
+        </p:spPr>
+        <p:txBody>
+          <a:bodyPr wrap="none" rtlCol="0">
+            <a:spAutoFit/>
+          </a:bodyPr>
+          <a:lstStyle/>
+          <a:p>
+            <a:r>
+              <a:rPr lang="en-US" dirty="0"/>
+              <a:t>B C D A F E</a:t>
+            </a:r>
+          </a:p>
+        </p:txBody>
+      </p:sp>
+      <p:sp>
+        <p:nvSpPr>
+          <p:cNvPr id="3" name="TextBox 2">
+            <a:extLst>
+              <a:ext uri="{FF2B5EF4-FFF2-40B4-BE49-F238E27FC236}">
+                <a16:creationId xmlns:a16="http://schemas.microsoft.com/office/drawing/2014/main" id="{0ECF4316-C162-180C-4A09-2F5634A52FF5}"/>
+              </a:ext>
+            </a:extLst>
+          </p:cNvPr>
+          <p:cNvSpPr txBox="1"/>
+          <p:nvPr/>
+        </p:nvSpPr>
+        <p:spPr>
+          <a:xfrm>
+            <a:off x="6428951" y="1997273"/>
+            <a:ext cx="1162498" cy="307777"/>
+          </a:xfrm>
+          <a:prstGeom prst="rect">
+            <a:avLst/>
+          </a:prstGeom>
+          <a:noFill/>
+        </p:spPr>
+        <p:txBody>
+          <a:bodyPr wrap="none" rtlCol="0">
+            <a:spAutoFit/>
+          </a:bodyPr>
+          <a:lstStyle/>
+          <a:p>
+            <a:r>
+              <a:rPr lang="en-US" dirty="0"/>
+              <a:t>A D C B F E</a:t>
+            </a:r>
           </a:p>
         </p:txBody>
       </p:sp>
